--- a/07-refactoring_to_attributes.pptx
+++ b/07-refactoring_to_attributes.pptx
@@ -7238,14 +7238,14 @@
           </a:ln>
           <a:extLst>
             <a:ext uri="{909E8E84-426E-40dd-AFC4-6F175D3DCCD1}">
-              <a14:hiddenFill xmlns:a14="http://schemas.microsoft.com/office/drawing/2010/main" xmlns="">
+              <a14:hiddenFill xmlns="" xmlns:a14="http://schemas.microsoft.com/office/drawing/2010/main">
                 <a:solidFill>
                   <a:srgbClr val="FFFFFF"/>
                 </a:solidFill>
               </a14:hiddenFill>
             </a:ext>
             <a:ext uri="{91240B29-F687-4f45-9708-019B960494DF}">
-              <a14:hiddenLine xmlns:a14="http://schemas.microsoft.com/office/drawing/2010/main" xmlns="" w="9525">
+              <a14:hiddenLine xmlns="" xmlns:a14="http://schemas.microsoft.com/office/drawing/2010/main" w="9525">
                 <a:solidFill>
                   <a:srgbClr val="000000"/>
                 </a:solidFill>
@@ -7393,14 +7393,14 @@
           </a:ln>
           <a:extLst>
             <a:ext uri="{909E8E84-426E-40dd-AFC4-6F175D3DCCD1}">
-              <a14:hiddenFill xmlns:a14="http://schemas.microsoft.com/office/drawing/2010/main" xmlns="">
+              <a14:hiddenFill xmlns="" xmlns:a14="http://schemas.microsoft.com/office/drawing/2010/main">
                 <a:solidFill>
                   <a:srgbClr val="FFFFFF"/>
                 </a:solidFill>
               </a14:hiddenFill>
             </a:ext>
             <a:ext uri="{91240B29-F687-4f45-9708-019B960494DF}">
-              <a14:hiddenLine xmlns:a14="http://schemas.microsoft.com/office/drawing/2010/main" xmlns="" w="9525">
+              <a14:hiddenLine xmlns="" xmlns:a14="http://schemas.microsoft.com/office/drawing/2010/main" w="9525">
                 <a:solidFill>
                   <a:srgbClr val="000000"/>
                 </a:solidFill>
@@ -7891,14 +7891,14 @@
           </a:ln>
           <a:extLst>
             <a:ext uri="{909E8E84-426E-40dd-AFC4-6F175D3DCCD1}">
-              <a14:hiddenFill xmlns:a14="http://schemas.microsoft.com/office/drawing/2010/main" xmlns="">
+              <a14:hiddenFill xmlns="" xmlns:a14="http://schemas.microsoft.com/office/drawing/2010/main">
                 <a:solidFill>
                   <a:srgbClr val="FFFFFF"/>
                 </a:solidFill>
               </a14:hiddenFill>
             </a:ext>
             <a:ext uri="{91240B29-F687-4f45-9708-019B960494DF}">
-              <a14:hiddenLine xmlns:a14="http://schemas.microsoft.com/office/drawing/2010/main" xmlns="" w="9525">
+              <a14:hiddenLine xmlns="" xmlns:a14="http://schemas.microsoft.com/office/drawing/2010/main" w="9525">
                 <a:solidFill>
                   <a:srgbClr val="000000"/>
                 </a:solidFill>
@@ -9325,14 +9325,14 @@
           </a:ln>
           <a:extLst>
             <a:ext uri="{909E8E84-426E-40dd-AFC4-6F175D3DCCD1}">
-              <a14:hiddenFill xmlns:a14="http://schemas.microsoft.com/office/drawing/2010/main" xmlns="">
+              <a14:hiddenFill xmlns="" xmlns:a14="http://schemas.microsoft.com/office/drawing/2010/main">
                 <a:solidFill>
                   <a:srgbClr val="FFFFFF"/>
                 </a:solidFill>
               </a14:hiddenFill>
             </a:ext>
             <a:ext uri="{91240B29-F687-4f45-9708-019B960494DF}">
-              <a14:hiddenLine xmlns:a14="http://schemas.microsoft.com/office/drawing/2010/main" xmlns="" w="9525">
+              <a14:hiddenLine xmlns="" xmlns:a14="http://schemas.microsoft.com/office/drawing/2010/main" w="9525">
                 <a:solidFill>
                   <a:srgbClr val="000000"/>
                 </a:solidFill>
@@ -10666,14 +10666,14 @@
           </a:ln>
           <a:extLst>
             <a:ext uri="{909E8E84-426E-40dd-AFC4-6F175D3DCCD1}">
-              <a14:hiddenFill xmlns:a14="http://schemas.microsoft.com/office/drawing/2010/main" xmlns="">
+              <a14:hiddenFill xmlns="" xmlns:a14="http://schemas.microsoft.com/office/drawing/2010/main">
                 <a:solidFill>
                   <a:srgbClr val="FFFFFF"/>
                 </a:solidFill>
               </a14:hiddenFill>
             </a:ext>
             <a:ext uri="{91240B29-F687-4f45-9708-019B960494DF}">
-              <a14:hiddenLine xmlns:a14="http://schemas.microsoft.com/office/drawing/2010/main" xmlns="" w="9525">
+              <a14:hiddenLine xmlns="" xmlns:a14="http://schemas.microsoft.com/office/drawing/2010/main" w="9525">
                 <a:solidFill>
                   <a:srgbClr val="000000"/>
                 </a:solidFill>
@@ -11231,14 +11231,14 @@
           </a:ln>
           <a:extLst>
             <a:ext uri="{909E8E84-426E-40dd-AFC4-6F175D3DCCD1}">
-              <a14:hiddenFill xmlns:a14="http://schemas.microsoft.com/office/drawing/2010/main" xmlns="">
+              <a14:hiddenFill xmlns="" xmlns:a14="http://schemas.microsoft.com/office/drawing/2010/main">
                 <a:solidFill>
                   <a:srgbClr val="FFFFFF"/>
                 </a:solidFill>
               </a14:hiddenFill>
             </a:ext>
             <a:ext uri="{91240B29-F687-4f45-9708-019B960494DF}">
-              <a14:hiddenLine xmlns:a14="http://schemas.microsoft.com/office/drawing/2010/main" xmlns="" w="9525">
+              <a14:hiddenLine xmlns="" xmlns:a14="http://schemas.microsoft.com/office/drawing/2010/main" w="9525">
                 <a:solidFill>
                   <a:srgbClr val="000000"/>
                 </a:solidFill>
@@ -11805,14 +11805,14 @@
           </a:ln>
           <a:extLst>
             <a:ext uri="{909E8E84-426E-40dd-AFC4-6F175D3DCCD1}">
-              <a14:hiddenFill xmlns:a14="http://schemas.microsoft.com/office/drawing/2010/main" xmlns="">
+              <a14:hiddenFill xmlns="" xmlns:a14="http://schemas.microsoft.com/office/drawing/2010/main">
                 <a:solidFill>
                   <a:srgbClr val="FFFFFF"/>
                 </a:solidFill>
               </a14:hiddenFill>
             </a:ext>
             <a:ext uri="{91240B29-F687-4f45-9708-019B960494DF}">
-              <a14:hiddenLine xmlns:a14="http://schemas.microsoft.com/office/drawing/2010/main" xmlns="" w="9525">
+              <a14:hiddenLine xmlns="" xmlns:a14="http://schemas.microsoft.com/office/drawing/2010/main" w="9525">
                 <a:solidFill>
                   <a:srgbClr val="000000"/>
                 </a:solidFill>
@@ -12752,14 +12752,14 @@
           </a:ln>
           <a:extLst>
             <a:ext uri="{909E8E84-426E-40dd-AFC4-6F175D3DCCD1}">
-              <a14:hiddenFill xmlns:a14="http://schemas.microsoft.com/office/drawing/2010/main" xmlns="">
+              <a14:hiddenFill xmlns="" xmlns:a14="http://schemas.microsoft.com/office/drawing/2010/main">
                 <a:solidFill>
                   <a:srgbClr val="FFFFFF"/>
                 </a:solidFill>
               </a14:hiddenFill>
             </a:ext>
             <a:ext uri="{91240B29-F687-4f45-9708-019B960494DF}">
-              <a14:hiddenLine xmlns:a14="http://schemas.microsoft.com/office/drawing/2010/main" xmlns="" w="9525">
+              <a14:hiddenLine xmlns="" xmlns:a14="http://schemas.microsoft.com/office/drawing/2010/main" w="9525">
                 <a:solidFill>
                   <a:srgbClr val="000000"/>
                 </a:solidFill>
@@ -12858,7 +12858,7 @@
                 <a:ea typeface="+mn-ea"/>
                 <a:cs typeface="+mn-cs"/>
               </a:rPr>
-              <a:t>2017</a:t>
+              <a:t>2018</a:t>
             </a:r>
             <a:r>
               <a:rPr lang="en-US" dirty="0">
@@ -13514,14 +13514,14 @@
           </a:ln>
           <a:extLst>
             <a:ext uri="{909E8E84-426E-40dd-AFC4-6F175D3DCCD1}">
-              <a14:hiddenFill xmlns:a14="http://schemas.microsoft.com/office/drawing/2010/main" xmlns="">
+              <a14:hiddenFill xmlns="" xmlns:a14="http://schemas.microsoft.com/office/drawing/2010/main">
                 <a:solidFill>
                   <a:srgbClr val="FFFFFF"/>
                 </a:solidFill>
               </a14:hiddenFill>
             </a:ext>
             <a:ext uri="{91240B29-F687-4f45-9708-019B960494DF}">
-              <a14:hiddenLine xmlns:a14="http://schemas.microsoft.com/office/drawing/2010/main" xmlns="" w="9525">
+              <a14:hiddenLine xmlns="" xmlns:a14="http://schemas.microsoft.com/office/drawing/2010/main" w="9525">
                 <a:solidFill>
                   <a:srgbClr val="000000"/>
                 </a:solidFill>
@@ -13620,7 +13620,7 @@
                 <a:ea typeface="+mn-ea"/>
                 <a:cs typeface="+mn-cs"/>
               </a:rPr>
-              <a:t>2017</a:t>
+              <a:t>2018</a:t>
             </a:r>
             <a:r>
               <a:rPr lang="en-US" dirty="0">
@@ -16512,7 +16512,7 @@
           <a:p>
             <a:r>
               <a:rPr lang="en-US" dirty="0"/>
-              <a:t># Cookbook Name:: apache</a:t>
+              <a:t># Cookbook:: apache</a:t>
             </a:r>
           </a:p>
           <a:p>
@@ -16530,15 +16530,7 @@
           <a:p>
             <a:r>
               <a:rPr lang="en-US" dirty="0"/>
-              <a:t># Copyright (c) </a:t>
-            </a:r>
-            <a:r>
-              <a:rPr lang="is-IS" dirty="0"/>
-              <a:t>2017</a:t>
-            </a:r>
-            <a:r>
-              <a:rPr lang="en-US" dirty="0"/>
-              <a:t> The Authors, All Rights Reserved.</a:t>
+              <a:t># Copyright:: 2018, The Authors, All Rights Reserved.</a:t>
             </a:r>
           </a:p>
           <a:p>
@@ -19192,7 +19184,7 @@
           <a:p>
             <a:r>
               <a:rPr lang="en-US" dirty="0"/>
-              <a:t># Cookbook Name:: apache</a:t>
+              <a:t># Cookbook:: apache</a:t>
             </a:r>
           </a:p>
           <a:p>
@@ -19210,15 +19202,7 @@
           <a:p>
             <a:r>
               <a:rPr lang="en-US" dirty="0"/>
-              <a:t># Copyright (c) </a:t>
-            </a:r>
-            <a:r>
-              <a:rPr lang="is-IS" dirty="0"/>
-              <a:t>2017</a:t>
-            </a:r>
-            <a:r>
-              <a:rPr lang="en-US" dirty="0"/>
-              <a:t> The Authors, All Rights Reserved.</a:t>
+              <a:t># Copyright:: 2018, The Authors, All Rights Reserved.</a:t>
             </a:r>
           </a:p>
           <a:p>
@@ -19817,7 +19801,7 @@
           <a:p>
             <a:r>
               <a:rPr lang="en-US" dirty="0"/>
-              <a:t># Cookbook Name:: apache</a:t>
+              <a:t># Cookbook:: apache</a:t>
             </a:r>
           </a:p>
           <a:p>
@@ -19835,15 +19819,7 @@
           <a:p>
             <a:r>
               <a:rPr lang="en-US" dirty="0"/>
-              <a:t># Copyright (c) </a:t>
-            </a:r>
-            <a:r>
-              <a:rPr lang="is-IS" dirty="0"/>
-              <a:t>2017</a:t>
-            </a:r>
-            <a:r>
-              <a:rPr lang="en-US" dirty="0"/>
-              <a:t> The Authors, All Rights Reserved.</a:t>
+              <a:t># Copyright:: 2018, The Authors, All Rights Reserved.</a:t>
             </a:r>
           </a:p>
           <a:p>
@@ -22494,14 +22470,18 @@
           </a:p>
           <a:p>
             <a:r>
+              <a:rPr lang="en-US" sz="2400"/>
+              <a:t>Finished in 2.27 seconds (files took 1.82 seconds to load) </a:t>
+            </a:r>
+          </a:p>
+          <a:p>
+            <a:r>
+              <a:rPr lang="en-US" sz="2400"/>
+              <a:t>2 </a:t>
+            </a:r>
+            <a:r>
               <a:rPr lang="en-US" sz="2400" dirty="0"/>
-              <a:t>Finished in 1.14 seconds (files took 4.03 seconds to load)</a:t>
-            </a:r>
-          </a:p>
-          <a:p>
-            <a:r>
-              <a:rPr lang="en-US" sz="2400" dirty="0"/>
-              <a:t>2 examples, 0 failures</a:t>
+              <a:t>examples, 0 failures</a:t>
             </a:r>
           </a:p>
         </p:txBody>
@@ -24385,7 +24365,7 @@
           <a:p>
             <a:r>
               <a:rPr lang="en-US" dirty="0"/>
-              <a:t># Cookbook Name:: apache</a:t>
+              <a:t># Cookbook:: apache</a:t>
             </a:r>
           </a:p>
           <a:p>
@@ -24403,15 +24383,7 @@
           <a:p>
             <a:r>
               <a:rPr lang="en-US" dirty="0"/>
-              <a:t># Copyright (c) </a:t>
-            </a:r>
-            <a:r>
-              <a:rPr lang="is-IS" dirty="0"/>
-              <a:t>2017</a:t>
-            </a:r>
-            <a:r>
-              <a:rPr lang="en-US" dirty="0"/>
-              <a:t> The Authors, All Rights Reserved.</a:t>
+              <a:t># Copyright:: 2018, The Authors, All Rights Reserved.</a:t>
             </a:r>
           </a:p>
           <a:p>
@@ -26184,6 +26156,27 @@
 
 <file path=customXml/item1.xml><?xml version="1.0" encoding="utf-8"?>
 <?mso-contentType ?>
+<FormTemplates xmlns="http://schemas.microsoft.com/sharepoint/v3/contenttype/forms">
+  <Display>DocumentLibraryForm</Display>
+  <Edit>DocumentLibraryForm</Edit>
+  <New>DocumentLibraryForm</New>
+</FormTemplates>
+</file>
+
+<file path=customXml/item2.xml><?xml version="1.0" encoding="utf-8"?>
+<p:properties xmlns:p="http://schemas.microsoft.com/office/2006/metadata/properties" xmlns:xsi="http://www.w3.org/2001/XMLSchema-instance" xmlns:pc="http://schemas.microsoft.com/office/infopath/2007/PartnerControls">
+  <documentManagement>
+    <_dlc_DocId xmlns="7bb5d761-a2ea-4873-95f7-7a6658fb3ef0">M4CWTKMW727E-592-73</_dlc_DocId>
+    <_dlc_DocIdUrl xmlns="7bb5d761-a2ea-4873-95f7-7a6658fb3ef0">
+      <Url>https://kms.vci.local/marketing/team/_layouts/DocIdRedir.aspx?ID=M4CWTKMW727E-592-73</Url>
+      <Description>M4CWTKMW727E-592-73</Description>
+    </_dlc_DocIdUrl>
+  </documentManagement>
+</p:properties>
+</file>
+
+<file path=customXml/item3.xml><?xml version="1.0" encoding="utf-8"?>
+<?mso-contentType ?>
 <spe:Receivers xmlns:spe="http://schemas.microsoft.com/sharepoint/events">
   <Receiver>
     <Name>Document ID Generator</Name>
@@ -26226,27 +26219,6 @@
     <Filter/>
   </Receiver>
 </spe:Receivers>
-</file>
-
-<file path=customXml/item2.xml><?xml version="1.0" encoding="utf-8"?>
-<?mso-contentType ?>
-<FormTemplates xmlns="http://schemas.microsoft.com/sharepoint/v3/contenttype/forms">
-  <Display>DocumentLibraryForm</Display>
-  <Edit>DocumentLibraryForm</Edit>
-  <New>DocumentLibraryForm</New>
-</FormTemplates>
-</file>
-
-<file path=customXml/item3.xml><?xml version="1.0" encoding="utf-8"?>
-<p:properties xmlns:p="http://schemas.microsoft.com/office/2006/metadata/properties" xmlns:xsi="http://www.w3.org/2001/XMLSchema-instance" xmlns:pc="http://schemas.microsoft.com/office/infopath/2007/PartnerControls">
-  <documentManagement>
-    <_dlc_DocId xmlns="7bb5d761-a2ea-4873-95f7-7a6658fb3ef0">M4CWTKMW727E-592-73</_dlc_DocId>
-    <_dlc_DocIdUrl xmlns="7bb5d761-a2ea-4873-95f7-7a6658fb3ef0">
-      <Url>https://kms.vci.local/marketing/team/_layouts/DocIdRedir.aspx?ID=M4CWTKMW727E-592-73</Url>
-      <Description>M4CWTKMW727E-592-73</Description>
-    </_dlc_DocIdUrl>
-  </documentManagement>
-</p:properties>
 </file>
 
 <file path=customXml/item4.xml><?xml version="1.0" encoding="utf-8"?>
@@ -26395,14 +26367,6 @@
 </file>
 
 <file path=customXml/itemProps1.xml><?xml version="1.0" encoding="utf-8"?>
-<ds:datastoreItem xmlns:ds="http://schemas.openxmlformats.org/officeDocument/2006/customXml" ds:itemID="{B13EBC30-FE27-4C6A-B723-23FC2188F7DC}">
-  <ds:schemaRefs>
-    <ds:schemaRef ds:uri="http://schemas.microsoft.com/sharepoint/events"/>
-  </ds:schemaRefs>
-</ds:datastoreItem>
-</file>
-
-<file path=customXml/itemProps2.xml><?xml version="1.0" encoding="utf-8"?>
 <ds:datastoreItem xmlns:ds="http://schemas.openxmlformats.org/officeDocument/2006/customXml" ds:itemID="{5CDEB364-43EC-4510-9881-539C2A3FCE9E}">
   <ds:schemaRefs>
     <ds:schemaRef ds:uri="http://schemas.microsoft.com/sharepoint/v3/contenttype/forms"/>
@@ -26410,7 +26374,7 @@
 </ds:datastoreItem>
 </file>
 
-<file path=customXml/itemProps3.xml><?xml version="1.0" encoding="utf-8"?>
+<file path=customXml/itemProps2.xml><?xml version="1.0" encoding="utf-8"?>
 <ds:datastoreItem xmlns:ds="http://schemas.openxmlformats.org/officeDocument/2006/customXml" ds:itemID="{6921749B-AEB7-461B-845F-603CABD25259}">
   <ds:schemaRefs>
     <ds:schemaRef ds:uri="7bb5d761-a2ea-4873-95f7-7a6658fb3ef0"/>
@@ -26422,6 +26386,14 @@
     <ds:schemaRef ds:uri="http://schemas.microsoft.com/office/2006/metadata/properties"/>
     <ds:schemaRef ds:uri="http://schemas.microsoft.com/office/infopath/2007/PartnerControls"/>
     <ds:schemaRef ds:uri="http://www.w3.org/XML/1998/namespace"/>
+  </ds:schemaRefs>
+</ds:datastoreItem>
+</file>
+
+<file path=customXml/itemProps3.xml><?xml version="1.0" encoding="utf-8"?>
+<ds:datastoreItem xmlns:ds="http://schemas.openxmlformats.org/officeDocument/2006/customXml" ds:itemID="{B13EBC30-FE27-4C6A-B723-23FC2188F7DC}">
+  <ds:schemaRefs>
+    <ds:schemaRef ds:uri="http://schemas.microsoft.com/sharepoint/events"/>
   </ds:schemaRefs>
 </ds:datastoreItem>
 </file>
